--- a/reference/schematic.pptx
+++ b/reference/schematic.pptx
@@ -107,6 +107,11 @@
       </a:defRPr>
     </a:lvl9pPr>
   </p:defaultTextStyle>
+  <p:extLst>
+    <p:ext uri="{EFAFB233-063F-42B5-8137-9DF3F51BA10A}">
+      <p15:sldGuideLst xmlns:p15="http://schemas.microsoft.com/office/powerpoint/2012/main"/>
+    </p:ext>
+  </p:extLst>
 </p:presentation>
 </file>
 
@@ -241,7 +246,7 @@
           <a:p>
             <a:fld id="{A71369C3-110E-44D7-8DC1-E6DB8EAB8ABC}" type="datetimeFigureOut">
               <a:rPr lang="en-AU" smtClean="0"/>
-              <a:t>17/11/2024</a:t>
+              <a:t>1/12/2024</a:t>
             </a:fld>
             <a:endParaRPr lang="en-AU"/>
           </a:p>
@@ -411,7 +416,7 @@
           <a:p>
             <a:fld id="{A71369C3-110E-44D7-8DC1-E6DB8EAB8ABC}" type="datetimeFigureOut">
               <a:rPr lang="en-AU" smtClean="0"/>
-              <a:t>17/11/2024</a:t>
+              <a:t>1/12/2024</a:t>
             </a:fld>
             <a:endParaRPr lang="en-AU"/>
           </a:p>
@@ -591,7 +596,7 @@
           <a:p>
             <a:fld id="{A71369C3-110E-44D7-8DC1-E6DB8EAB8ABC}" type="datetimeFigureOut">
               <a:rPr lang="en-AU" smtClean="0"/>
-              <a:t>17/11/2024</a:t>
+              <a:t>1/12/2024</a:t>
             </a:fld>
             <a:endParaRPr lang="en-AU"/>
           </a:p>
@@ -761,7 +766,7 @@
           <a:p>
             <a:fld id="{A71369C3-110E-44D7-8DC1-E6DB8EAB8ABC}" type="datetimeFigureOut">
               <a:rPr lang="en-AU" smtClean="0"/>
-              <a:t>17/11/2024</a:t>
+              <a:t>1/12/2024</a:t>
             </a:fld>
             <a:endParaRPr lang="en-AU"/>
           </a:p>
@@ -1007,7 +1012,7 @@
           <a:p>
             <a:fld id="{A71369C3-110E-44D7-8DC1-E6DB8EAB8ABC}" type="datetimeFigureOut">
               <a:rPr lang="en-AU" smtClean="0"/>
-              <a:t>17/11/2024</a:t>
+              <a:t>1/12/2024</a:t>
             </a:fld>
             <a:endParaRPr lang="en-AU"/>
           </a:p>
@@ -1239,7 +1244,7 @@
           <a:p>
             <a:fld id="{A71369C3-110E-44D7-8DC1-E6DB8EAB8ABC}" type="datetimeFigureOut">
               <a:rPr lang="en-AU" smtClean="0"/>
-              <a:t>17/11/2024</a:t>
+              <a:t>1/12/2024</a:t>
             </a:fld>
             <a:endParaRPr lang="en-AU"/>
           </a:p>
@@ -1606,7 +1611,7 @@
           <a:p>
             <a:fld id="{A71369C3-110E-44D7-8DC1-E6DB8EAB8ABC}" type="datetimeFigureOut">
               <a:rPr lang="en-AU" smtClean="0"/>
-              <a:t>17/11/2024</a:t>
+              <a:t>1/12/2024</a:t>
             </a:fld>
             <a:endParaRPr lang="en-AU"/>
           </a:p>
@@ -1724,7 +1729,7 @@
           <a:p>
             <a:fld id="{A71369C3-110E-44D7-8DC1-E6DB8EAB8ABC}" type="datetimeFigureOut">
               <a:rPr lang="en-AU" smtClean="0"/>
-              <a:t>17/11/2024</a:t>
+              <a:t>1/12/2024</a:t>
             </a:fld>
             <a:endParaRPr lang="en-AU"/>
           </a:p>
@@ -1819,7 +1824,7 @@
           <a:p>
             <a:fld id="{A71369C3-110E-44D7-8DC1-E6DB8EAB8ABC}" type="datetimeFigureOut">
               <a:rPr lang="en-AU" smtClean="0"/>
-              <a:t>17/11/2024</a:t>
+              <a:t>1/12/2024</a:t>
             </a:fld>
             <a:endParaRPr lang="en-AU"/>
           </a:p>
@@ -2096,7 +2101,7 @@
           <a:p>
             <a:fld id="{A71369C3-110E-44D7-8DC1-E6DB8EAB8ABC}" type="datetimeFigureOut">
               <a:rPr lang="en-AU" smtClean="0"/>
-              <a:t>17/11/2024</a:t>
+              <a:t>1/12/2024</a:t>
             </a:fld>
             <a:endParaRPr lang="en-AU"/>
           </a:p>
@@ -2353,7 +2358,7 @@
           <a:p>
             <a:fld id="{A71369C3-110E-44D7-8DC1-E6DB8EAB8ABC}" type="datetimeFigureOut">
               <a:rPr lang="en-AU" smtClean="0"/>
-              <a:t>17/11/2024</a:t>
+              <a:t>1/12/2024</a:t>
             </a:fld>
             <a:endParaRPr lang="en-AU"/>
           </a:p>
@@ -2566,7 +2571,7 @@
           <a:p>
             <a:fld id="{A71369C3-110E-44D7-8DC1-E6DB8EAB8ABC}" type="datetimeFigureOut">
               <a:rPr lang="en-AU" smtClean="0"/>
-              <a:t>17/11/2024</a:t>
+              <a:t>1/12/2024</a:t>
             </a:fld>
             <a:endParaRPr lang="en-AU"/>
           </a:p>
@@ -2971,8 +2976,8 @@
           <a:chExt cx="0" cy="0"/>
         </a:xfrm>
       </p:grpSpPr>
-      <mc:AlternateContent xmlns:mc="http://schemas.openxmlformats.org/markup-compatibility/2006">
-        <mc:Choice xmlns:a14="http://schemas.microsoft.com/office/drawing/2010/main" Requires="a14">
+      <mc:AlternateContent xmlns:mc="http://schemas.openxmlformats.org/markup-compatibility/2006" xmlns:a14="http://schemas.microsoft.com/office/drawing/2010/main">
+        <mc:Choice Requires="a14">
           <p:sp>
             <p:nvSpPr>
               <p:cNvPr id="7" name="TextBox 6">
@@ -3001,7 +3006,6 @@
               </a:bodyPr>
               <a:lstStyle/>
               <a:p>
-                <a:pPr/>
                 <a:r>
                   <a:rPr lang="en-US" sz="1199" dirty="0">
                     <a:latin typeface="Arial" panose="020B0604020202020204" pitchFamily="34" charset="0"/>
@@ -3084,7 +3088,7 @@
             </p:txBody>
           </p:sp>
         </mc:Choice>
-        <mc:Fallback>
+        <mc:Fallback xmlns="">
           <p:sp>
             <p:nvSpPr>
               <p:cNvPr id="7" name="TextBox 6">
@@ -3129,8 +3133,8 @@
           </p:sp>
         </mc:Fallback>
       </mc:AlternateContent>
-      <mc:AlternateContent xmlns:mc="http://schemas.openxmlformats.org/markup-compatibility/2006">
-        <mc:Choice xmlns:a14="http://schemas.microsoft.com/office/drawing/2010/main" Requires="a14">
+      <mc:AlternateContent xmlns:mc="http://schemas.openxmlformats.org/markup-compatibility/2006" xmlns:a14="http://schemas.microsoft.com/office/drawing/2010/main">
+        <mc:Choice Requires="a14">
           <p:sp>
             <p:nvSpPr>
               <p:cNvPr id="9" name="TextBox 8">
@@ -3159,7 +3163,6 @@
               </a:bodyPr>
               <a:lstStyle/>
               <a:p>
-                <a:pPr/>
                 <a:r>
                   <a:rPr lang="en-US" sz="1199" dirty="0">
                     <a:latin typeface="Arial" panose="020B0604020202020204" pitchFamily="34" charset="0"/>
@@ -3242,7 +3245,7 @@
             </p:txBody>
           </p:sp>
         </mc:Choice>
-        <mc:Fallback>
+        <mc:Fallback xmlns="">
           <p:sp>
             <p:nvSpPr>
               <p:cNvPr id="9" name="TextBox 8">
@@ -3287,8 +3290,8 @@
           </p:sp>
         </mc:Fallback>
       </mc:AlternateContent>
-      <mc:AlternateContent xmlns:mc="http://schemas.openxmlformats.org/markup-compatibility/2006">
-        <mc:Choice xmlns:a14="http://schemas.microsoft.com/office/drawing/2010/main" Requires="a14">
+      <mc:AlternateContent xmlns:mc="http://schemas.openxmlformats.org/markup-compatibility/2006" xmlns:a14="http://schemas.microsoft.com/office/drawing/2010/main">
+        <mc:Choice Requires="a14">
           <p:sp>
             <p:nvSpPr>
               <p:cNvPr id="10" name="TextBox 9">
@@ -3317,7 +3320,6 @@
               </a:bodyPr>
               <a:lstStyle/>
               <a:p>
-                <a:pPr/>
                 <a:r>
                   <a:rPr lang="en-US" sz="1199" dirty="0">
                     <a:latin typeface="Arial" panose="020B0604020202020204" pitchFamily="34" charset="0"/>
@@ -3400,7 +3402,7 @@
             </p:txBody>
           </p:sp>
         </mc:Choice>
-        <mc:Fallback>
+        <mc:Fallback xmlns="">
           <p:sp>
             <p:nvSpPr>
               <p:cNvPr id="10" name="TextBox 9">
@@ -3473,7 +3475,6 @@
           </a:bodyPr>
           <a:lstStyle/>
           <a:p>
-            <a:pPr/>
             <a:r>
               <a:rPr lang="en-US" sz="1199" dirty="0">
                 <a:latin typeface="Arial" panose="020B0604020202020204" pitchFamily="34" charset="0"/>
@@ -3516,7 +3517,6 @@
           </a:bodyPr>
           <a:lstStyle/>
           <a:p>
-            <a:pPr/>
             <a:r>
               <a:rPr lang="en-US" sz="1199" i="1" dirty="0">
                 <a:latin typeface="Arial" panose="020B0604020202020204" pitchFamily="34" charset="0"/>
@@ -3538,8 +3538,8 @@
           </a:p>
         </p:txBody>
       </p:sp>
-      <mc:AlternateContent xmlns:mc="http://schemas.openxmlformats.org/markup-compatibility/2006">
-        <mc:Choice xmlns:a14="http://schemas.microsoft.com/office/drawing/2010/main" Requires="a14">
+      <mc:AlternateContent xmlns:mc="http://schemas.openxmlformats.org/markup-compatibility/2006" xmlns:a14="http://schemas.microsoft.com/office/drawing/2010/main">
+        <mc:Choice Requires="a14">
           <p:sp>
             <p:nvSpPr>
               <p:cNvPr id="17" name="TextBox 16">
@@ -3819,7 +3819,7 @@
             </p:txBody>
           </p:sp>
         </mc:Choice>
-        <mc:Fallback>
+        <mc:Fallback xmlns="">
           <p:sp>
             <p:nvSpPr>
               <p:cNvPr id="17" name="TextBox 16">
@@ -3864,8 +3864,8 @@
           </p:sp>
         </mc:Fallback>
       </mc:AlternateContent>
-      <mc:AlternateContent xmlns:mc="http://schemas.openxmlformats.org/markup-compatibility/2006">
-        <mc:Choice xmlns:a14="http://schemas.microsoft.com/office/drawing/2010/main" Requires="a14">
+      <mc:AlternateContent xmlns:mc="http://schemas.openxmlformats.org/markup-compatibility/2006" xmlns:a14="http://schemas.microsoft.com/office/drawing/2010/main">
+        <mc:Choice Requires="a14">
           <p:sp>
             <p:nvSpPr>
               <p:cNvPr id="18" name="TextBox 17">
@@ -3894,7 +3894,6 @@
               </a:bodyPr>
               <a:lstStyle/>
               <a:p>
-                <a:pPr/>
                 <a:r>
                   <a:rPr lang="en-US" sz="1199" dirty="0">
                     <a:latin typeface="Arial" panose="020B0604020202020204" pitchFamily="34" charset="0"/>
@@ -4193,7 +4192,7 @@
             </p:txBody>
           </p:sp>
         </mc:Choice>
-        <mc:Fallback>
+        <mc:Fallback xmlns="">
           <p:sp>
             <p:nvSpPr>
               <p:cNvPr id="18" name="TextBox 17">
@@ -4266,7 +4265,6 @@
           </a:bodyPr>
           <a:lstStyle/>
           <a:p>
-            <a:pPr/>
             <a:r>
               <a:rPr lang="en-US" sz="1199" i="1" dirty="0">
                 <a:latin typeface="Arial" panose="020B0604020202020204" pitchFamily="34" charset="0"/>
@@ -4281,8 +4279,8 @@
           </a:p>
         </p:txBody>
       </p:sp>
-      <mc:AlternateContent xmlns:mc="http://schemas.openxmlformats.org/markup-compatibility/2006">
-        <mc:Choice xmlns:a14="http://schemas.microsoft.com/office/drawing/2010/main" Requires="a14">
+      <mc:AlternateContent xmlns:mc="http://schemas.openxmlformats.org/markup-compatibility/2006" xmlns:a14="http://schemas.microsoft.com/office/drawing/2010/main">
+        <mc:Choice Requires="a14">
           <p:sp>
             <p:nvSpPr>
               <p:cNvPr id="23" name="TextBox 22">
@@ -4439,7 +4437,7 @@
             </p:txBody>
           </p:sp>
         </mc:Choice>
-        <mc:Fallback>
+        <mc:Fallback xmlns="">
           <p:sp>
             <p:nvSpPr>
               <p:cNvPr id="23" name="TextBox 22">
@@ -4556,7 +4554,6 @@
           </a:bodyPr>
           <a:lstStyle/>
           <a:p>
-            <a:pPr/>
             <a:r>
               <a:rPr lang="en-US" sz="1199" b="1" dirty="0">
                 <a:latin typeface="Arial" panose="020B0604020202020204" pitchFamily="34" charset="0"/>
@@ -4599,7 +4596,6 @@
           </a:bodyPr>
           <a:lstStyle/>
           <a:p>
-            <a:pPr/>
             <a:r>
               <a:rPr lang="en-US" sz="1199" b="1" dirty="0">
                 <a:latin typeface="Arial" panose="020B0604020202020204" pitchFamily="34" charset="0"/>
@@ -4614,8 +4610,8 @@
           </a:p>
         </p:txBody>
       </p:sp>
-      <mc:AlternateContent xmlns:mc="http://schemas.openxmlformats.org/markup-compatibility/2006">
-        <mc:Choice xmlns:a14="http://schemas.microsoft.com/office/drawing/2010/main" Requires="a14">
+      <mc:AlternateContent xmlns:mc="http://schemas.openxmlformats.org/markup-compatibility/2006" xmlns:a14="http://schemas.microsoft.com/office/drawing/2010/main">
+        <mc:Choice Requires="a14">
           <p:sp>
             <p:nvSpPr>
               <p:cNvPr id="83" name="TextBox 82">
@@ -4707,6 +4703,7 @@
                 </a:endParaRPr>
               </a:p>
               <a:p>
+                <a:pPr/>
                 <a14:m>
                   <m:oMathPara xmlns:m="http://schemas.openxmlformats.org/officeDocument/2006/math">
                     <m:oMathParaPr>
@@ -4949,7 +4946,7 @@
             </p:txBody>
           </p:sp>
         </mc:Choice>
-        <mc:Fallback>
+        <mc:Fallback xmlns="">
           <p:sp>
             <p:nvSpPr>
               <p:cNvPr id="83" name="TextBox 82">
@@ -5022,7 +5019,6 @@
           </a:bodyPr>
           <a:lstStyle/>
           <a:p>
-            <a:pPr/>
             <a:r>
               <a:rPr lang="en-US" sz="1199" b="1" dirty="0">
                 <a:latin typeface="Arial" panose="020B0604020202020204" pitchFamily="34" charset="0"/>
@@ -5037,8 +5033,8 @@
           </a:p>
         </p:txBody>
       </p:sp>
-      <mc:AlternateContent xmlns:mc="http://schemas.openxmlformats.org/markup-compatibility/2006">
-        <mc:Choice xmlns:a14="http://schemas.microsoft.com/office/drawing/2010/main" Requires="a14">
+      <mc:AlternateContent xmlns:mc="http://schemas.openxmlformats.org/markup-compatibility/2006" xmlns:a14="http://schemas.microsoft.com/office/drawing/2010/main">
+        <mc:Choice Requires="a14">
           <p:sp>
             <p:nvSpPr>
               <p:cNvPr id="87" name="TextBox 86">
@@ -5365,7 +5361,7 @@
             </p:txBody>
           </p:sp>
         </mc:Choice>
-        <mc:Fallback>
+        <mc:Fallback xmlns="">
           <p:sp>
             <p:nvSpPr>
               <p:cNvPr id="87" name="TextBox 86">
@@ -5410,8 +5406,8 @@
           </p:sp>
         </mc:Fallback>
       </mc:AlternateContent>
-      <mc:AlternateContent xmlns:mc="http://schemas.openxmlformats.org/markup-compatibility/2006">
-        <mc:Choice xmlns:a14="http://schemas.microsoft.com/office/drawing/2010/main" Requires="a14">
+      <mc:AlternateContent xmlns:mc="http://schemas.openxmlformats.org/markup-compatibility/2006" xmlns:a14="http://schemas.microsoft.com/office/drawing/2010/main">
+        <mc:Choice Requires="a14">
           <p:sp>
             <p:nvSpPr>
               <p:cNvPr id="88" name="TextBox 87">
@@ -5621,7 +5617,7 @@
             </p:txBody>
           </p:sp>
         </mc:Choice>
-        <mc:Fallback>
+        <mc:Fallback xmlns="">
           <p:sp>
             <p:nvSpPr>
               <p:cNvPr id="88" name="TextBox 87">
@@ -5694,7 +5690,6 @@
           </a:bodyPr>
           <a:lstStyle/>
           <a:p>
-            <a:pPr/>
             <a:r>
               <a:rPr lang="en-US" sz="1199" b="1" dirty="0">
                 <a:latin typeface="Arial" panose="020B0604020202020204" pitchFamily="34" charset="0"/>
@@ -5709,8 +5704,8 @@
           </a:p>
         </p:txBody>
       </p:sp>
-      <mc:AlternateContent xmlns:mc="http://schemas.openxmlformats.org/markup-compatibility/2006">
-        <mc:Choice xmlns:a14="http://schemas.microsoft.com/office/drawing/2010/main" Requires="a14">
+      <mc:AlternateContent xmlns:mc="http://schemas.openxmlformats.org/markup-compatibility/2006" xmlns:a14="http://schemas.microsoft.com/office/drawing/2010/main">
+        <mc:Choice Requires="a14">
           <p:sp>
             <p:nvSpPr>
               <p:cNvPr id="92" name="TextBox 91">
@@ -5877,7 +5872,7 @@
             </p:txBody>
           </p:sp>
         </mc:Choice>
-        <mc:Fallback>
+        <mc:Fallback xmlns="">
           <p:sp>
             <p:nvSpPr>
               <p:cNvPr id="92" name="TextBox 91">
@@ -6212,7 +6207,6 @@
           </a:bodyPr>
           <a:lstStyle/>
           <a:p>
-            <a:pPr/>
             <a:r>
               <a:rPr lang="en-US" sz="1199" b="1" i="1" dirty="0">
                 <a:latin typeface="Arial" panose="020B0604020202020204" pitchFamily="34" charset="0"/>
@@ -6234,8 +6228,8 @@
           </a:p>
         </p:txBody>
       </p:sp>
-      <mc:AlternateContent xmlns:mc="http://schemas.openxmlformats.org/markup-compatibility/2006">
-        <mc:Choice xmlns:a14="http://schemas.microsoft.com/office/drawing/2010/main" Requires="a14">
+      <mc:AlternateContent xmlns:mc="http://schemas.openxmlformats.org/markup-compatibility/2006" xmlns:a14="http://schemas.microsoft.com/office/drawing/2010/main">
+        <mc:Choice Requires="a14">
           <p:sp>
             <p:nvSpPr>
               <p:cNvPr id="17" name="TextBox 16">
@@ -6642,7 +6636,7 @@
             </p:txBody>
           </p:sp>
         </mc:Choice>
-        <mc:Fallback>
+        <mc:Fallback xmlns="">
           <p:sp>
             <p:nvSpPr>
               <p:cNvPr id="17" name="TextBox 16">
@@ -6687,8 +6681,8 @@
           </p:sp>
         </mc:Fallback>
       </mc:AlternateContent>
-      <mc:AlternateContent xmlns:mc="http://schemas.openxmlformats.org/markup-compatibility/2006">
-        <mc:Choice xmlns:a14="http://schemas.microsoft.com/office/drawing/2010/main" Requires="a14">
+      <mc:AlternateContent xmlns:mc="http://schemas.openxmlformats.org/markup-compatibility/2006" xmlns:a14="http://schemas.microsoft.com/office/drawing/2010/main">
+        <mc:Choice Requires="a14">
           <p:sp>
             <p:nvSpPr>
               <p:cNvPr id="18" name="TextBox 17">
@@ -6717,7 +6711,6 @@
               </a:bodyPr>
               <a:lstStyle/>
               <a:p>
-                <a:pPr/>
                 <a:r>
                   <a:rPr lang="en-US" sz="1199" dirty="0">
                     <a:latin typeface="Arial" panose="020B0604020202020204" pitchFamily="34" charset="0"/>
@@ -7130,7 +7123,7 @@
             </p:txBody>
           </p:sp>
         </mc:Choice>
-        <mc:Fallback>
+        <mc:Fallback xmlns="">
           <p:sp>
             <p:nvSpPr>
               <p:cNvPr id="18" name="TextBox 17">
@@ -7203,7 +7196,6 @@
           </a:bodyPr>
           <a:lstStyle/>
           <a:p>
-            <a:pPr/>
             <a:r>
               <a:rPr lang="en-US" sz="1199" b="1" i="1" dirty="0">
                 <a:latin typeface="Arial" panose="020B0604020202020204" pitchFamily="34" charset="0"/>
@@ -7246,7 +7238,6 @@
           </a:bodyPr>
           <a:lstStyle/>
           <a:p>
-            <a:pPr/>
             <a:r>
               <a:rPr lang="en-US" sz="1199" b="1" dirty="0">
                 <a:latin typeface="Arial" panose="020B0604020202020204" pitchFamily="34" charset="0"/>
@@ -7261,8 +7252,8 @@
           </a:p>
         </p:txBody>
       </p:sp>
-      <mc:AlternateContent xmlns:mc="http://schemas.openxmlformats.org/markup-compatibility/2006">
-        <mc:Choice xmlns:a14="http://schemas.microsoft.com/office/drawing/2010/main" Requires="a14">
+      <mc:AlternateContent xmlns:mc="http://schemas.openxmlformats.org/markup-compatibility/2006" xmlns:a14="http://schemas.microsoft.com/office/drawing/2010/main">
+        <mc:Choice Requires="a14">
           <p:sp>
             <p:nvSpPr>
               <p:cNvPr id="3" name="TextBox 2">
@@ -7332,7 +7323,7 @@
             </p:txBody>
           </p:sp>
         </mc:Choice>
-        <mc:Fallback>
+        <mc:Fallback xmlns="">
           <p:sp>
             <p:nvSpPr>
               <p:cNvPr id="3" name="TextBox 2">
@@ -7377,8 +7368,8 @@
           </p:sp>
         </mc:Fallback>
       </mc:AlternateContent>
-      <mc:AlternateContent xmlns:mc="http://schemas.openxmlformats.org/markup-compatibility/2006">
-        <mc:Choice xmlns:a14="http://schemas.microsoft.com/office/drawing/2010/main" Requires="a14">
+      <mc:AlternateContent xmlns:mc="http://schemas.openxmlformats.org/markup-compatibility/2006" xmlns:a14="http://schemas.microsoft.com/office/drawing/2010/main">
+        <mc:Choice Requires="a14">
           <p:sp>
             <p:nvSpPr>
               <p:cNvPr id="4" name="TextBox 3">
@@ -7461,7 +7452,7 @@
             </p:txBody>
           </p:sp>
         </mc:Choice>
-        <mc:Fallback>
+        <mc:Fallback xmlns="">
           <p:sp>
             <p:nvSpPr>
               <p:cNvPr id="4" name="TextBox 3">
@@ -7663,7 +7654,6 @@
             </a:bodyPr>
             <a:lstStyle/>
             <a:p>
-              <a:pPr/>
               <a:r>
                 <a:rPr lang="en-US" sz="1199" b="1" dirty="0">
                   <a:latin typeface="Arial" panose="020B0604020202020204" pitchFamily="34" charset="0"/>
@@ -7759,8 +7749,8 @@
             </a:p>
           </p:txBody>
         </p:sp>
-        <mc:AlternateContent xmlns:mc="http://schemas.openxmlformats.org/markup-compatibility/2006">
-          <mc:Choice xmlns:a14="http://schemas.microsoft.com/office/drawing/2010/main" Requires="a14">
+        <mc:AlternateContent xmlns:mc="http://schemas.openxmlformats.org/markup-compatibility/2006" xmlns:a14="http://schemas.microsoft.com/office/drawing/2010/main">
+          <mc:Choice Requires="a14">
             <p:sp>
               <p:nvSpPr>
                 <p:cNvPr id="92" name="TextBox 91">
@@ -7927,7 +7917,7 @@
               </p:txBody>
             </p:sp>
           </mc:Choice>
-          <mc:Fallback>
+          <mc:Fallback xmlns="">
             <p:sp>
               <p:nvSpPr>
                 <p:cNvPr id="92" name="TextBox 91">
@@ -8000,7 +7990,6 @@
             </a:bodyPr>
             <a:lstStyle/>
             <a:p>
-              <a:pPr/>
               <a:r>
                 <a:rPr lang="en-US" sz="1199" b="1" dirty="0">
                   <a:latin typeface="Arial" panose="020B0604020202020204" pitchFamily="34" charset="0"/>
@@ -8030,7 +8019,7 @@
         </p:nvGrpSpPr>
         <p:grpSpPr>
           <a:xfrm>
-            <a:off x="5268302" y="7661066"/>
+            <a:off x="5266183" y="7643630"/>
             <a:ext cx="2636866" cy="964353"/>
             <a:chOff x="8292806" y="4610470"/>
             <a:chExt cx="2636866" cy="964353"/>
@@ -8124,7 +8113,6 @@
             </a:bodyPr>
             <a:lstStyle/>
             <a:p>
-              <a:pPr/>
               <a:r>
                 <a:rPr lang="en-US" sz="1199" b="1" dirty="0">
                   <a:latin typeface="Arial" panose="020B0604020202020204" pitchFamily="34" charset="0"/>
@@ -8139,8 +8127,8 @@
             </a:p>
           </p:txBody>
         </p:sp>
-        <mc:AlternateContent xmlns:mc="http://schemas.openxmlformats.org/markup-compatibility/2006">
-          <mc:Choice xmlns:a14="http://schemas.microsoft.com/office/drawing/2010/main" Requires="a14">
+        <mc:AlternateContent xmlns:mc="http://schemas.openxmlformats.org/markup-compatibility/2006" xmlns:a14="http://schemas.microsoft.com/office/drawing/2010/main">
+          <mc:Choice Requires="a14">
             <p:sp>
               <p:nvSpPr>
                 <p:cNvPr id="67" name="TextBox 66">
@@ -8339,7 +8327,6 @@
                   <a:endParaRPr lang="en-AU" sz="1199" dirty="0"/>
                 </a:p>
                 <a:p>
-                  <a:pPr/>
                   <a:r>
                     <a:rPr lang="en-US" sz="1199" dirty="0">
                       <a:latin typeface="Arial" panose="020B0604020202020204" pitchFamily="34" charset="0"/>
@@ -8431,7 +8418,7 @@
               </p:txBody>
             </p:sp>
           </mc:Choice>
-          <mc:Fallback>
+          <mc:Fallback xmlns="">
             <p:sp>
               <p:nvSpPr>
                 <p:cNvPr id="67" name="TextBox 66">
@@ -8492,9 +8479,9 @@
         <p:grpSpPr>
           <a:xfrm>
             <a:off x="4798162" y="3881152"/>
-            <a:ext cx="3539547" cy="3779914"/>
+            <a:ext cx="3539547" cy="3762479"/>
             <a:chOff x="4434092" y="3381612"/>
-            <a:chExt cx="3539547" cy="3779914"/>
+            <a:chExt cx="3539547" cy="3762479"/>
           </a:xfrm>
         </p:grpSpPr>
         <p:sp>
@@ -8695,7 +8682,6 @@
             </a:bodyPr>
             <a:lstStyle/>
             <a:p>
-              <a:pPr/>
               <a:r>
                 <a:rPr lang="en-US" sz="1199" b="1" dirty="0">
                   <a:latin typeface="Arial" panose="020B0604020202020204" pitchFamily="34" charset="0"/>
@@ -8710,8 +8696,8 @@
             </a:p>
           </p:txBody>
         </p:sp>
-        <mc:AlternateContent xmlns:mc="http://schemas.openxmlformats.org/markup-compatibility/2006">
-          <mc:Choice xmlns:a14="http://schemas.microsoft.com/office/drawing/2010/main" Requires="a14">
+        <mc:AlternateContent xmlns:mc="http://schemas.openxmlformats.org/markup-compatibility/2006" xmlns:a14="http://schemas.microsoft.com/office/drawing/2010/main">
+          <mc:Choice Requires="a14">
             <p:sp>
               <p:nvSpPr>
                 <p:cNvPr id="83" name="TextBox 82">
@@ -8803,6 +8789,7 @@
                   </a:endParaRPr>
                 </a:p>
                 <a:p>
+                  <a:pPr/>
                   <a14:m>
                     <m:oMathPara xmlns:m="http://schemas.openxmlformats.org/officeDocument/2006/math">
                       <m:oMathParaPr>
@@ -9045,7 +9032,7 @@
               </p:txBody>
             </p:sp>
           </mc:Choice>
-          <mc:Fallback>
+          <mc:Fallback xmlns="">
             <p:sp>
               <p:nvSpPr>
                 <p:cNvPr id="83" name="TextBox 82">
@@ -9090,8 +9077,8 @@
             </p:sp>
           </mc:Fallback>
         </mc:AlternateContent>
-        <mc:AlternateContent xmlns:mc="http://schemas.openxmlformats.org/markup-compatibility/2006">
-          <mc:Choice xmlns:a14="http://schemas.microsoft.com/office/drawing/2010/main" Requires="a14">
+        <mc:AlternateContent xmlns:mc="http://schemas.openxmlformats.org/markup-compatibility/2006" xmlns:a14="http://schemas.microsoft.com/office/drawing/2010/main">
+          <mc:Choice Requires="a14">
             <p:sp>
               <p:nvSpPr>
                 <p:cNvPr id="34" name="TextBox 33">
@@ -9474,7 +9461,7 @@
               </p:txBody>
             </p:sp>
           </mc:Choice>
-          <mc:Fallback>
+          <mc:Fallback xmlns="">
             <p:sp>
               <p:nvSpPr>
                 <p:cNvPr id="34" name="TextBox 33">
@@ -9519,8 +9506,8 @@
             </p:sp>
           </mc:Fallback>
         </mc:AlternateContent>
-        <mc:AlternateContent xmlns:mc="http://schemas.openxmlformats.org/markup-compatibility/2006">
-          <mc:Choice xmlns:a14="http://schemas.microsoft.com/office/drawing/2010/main" Requires="a14">
+        <mc:AlternateContent xmlns:mc="http://schemas.openxmlformats.org/markup-compatibility/2006" xmlns:a14="http://schemas.microsoft.com/office/drawing/2010/main">
+          <mc:Choice Requires="a14">
             <p:sp>
               <p:nvSpPr>
                 <p:cNvPr id="35" name="TextBox 34">
@@ -10168,7 +10155,7 @@
               </p:txBody>
             </p:sp>
           </mc:Choice>
-          <mc:Fallback>
+          <mc:Fallback xmlns="">
             <p:sp>
               <p:nvSpPr>
                 <p:cNvPr id="35" name="TextBox 34">
@@ -10230,9 +10217,9 @@
             <p:nvPr/>
           </p:nvCxnSpPr>
           <p:spPr>
-            <a:xfrm rot="16200000" flipH="1">
-              <a:off x="6146959" y="6867172"/>
-              <a:ext cx="351260" cy="237447"/>
+            <a:xfrm rot="5400000">
+              <a:off x="6036082" y="6976306"/>
+              <a:ext cx="333824" cy="1745"/>
             </a:xfrm>
             <a:prstGeom prst="bentConnector3">
               <a:avLst>
@@ -10277,13 +10264,13 @@
         </p:nvCxnSpPr>
         <p:spPr>
           <a:xfrm rot="5400000" flipH="1">
-            <a:off x="2003805" y="4060915"/>
-            <a:ext cx="2358431" cy="6770578"/>
+            <a:off x="2011464" y="4053257"/>
+            <a:ext cx="2340995" cy="6768459"/>
           </a:xfrm>
           <a:prstGeom prst="bentConnector4">
             <a:avLst>
-              <a:gd name="adj1" fmla="val -18263"/>
-              <a:gd name="adj2" fmla="val 103376"/>
+              <a:gd name="adj1" fmla="val -19144"/>
+              <a:gd name="adj2" fmla="val 103377"/>
             </a:avLst>
           </a:prstGeom>
           <a:ln w="28575">
@@ -10306,8 +10293,8 @@
           </a:fontRef>
         </p:style>
       </p:cxnSp>
-      <mc:AlternateContent xmlns:mc="http://schemas.openxmlformats.org/markup-compatibility/2006">
-        <mc:Choice xmlns:a14="http://schemas.microsoft.com/office/drawing/2010/main" Requires="a14">
+      <mc:AlternateContent xmlns:mc="http://schemas.openxmlformats.org/markup-compatibility/2006" xmlns:a14="http://schemas.microsoft.com/office/drawing/2010/main">
+        <mc:Choice Requires="a14">
           <p:sp>
             <p:nvSpPr>
               <p:cNvPr id="100" name="TextBox 99">
@@ -10501,7 +10488,7 @@
             </p:txBody>
           </p:sp>
         </mc:Choice>
-        <mc:Fallback>
+        <mc:Fallback xmlns="">
           <p:sp>
             <p:nvSpPr>
               <p:cNvPr id="100" name="TextBox 99">
@@ -10691,8 +10678,8 @@
               </a:fontRef>
             </p:style>
           </p:cxnSp>
-          <mc:AlternateContent xmlns:mc="http://schemas.openxmlformats.org/markup-compatibility/2006">
-            <mc:Choice xmlns:a14="http://schemas.microsoft.com/office/drawing/2010/main" Requires="a14">
+          <mc:AlternateContent xmlns:mc="http://schemas.openxmlformats.org/markup-compatibility/2006" xmlns:a14="http://schemas.microsoft.com/office/drawing/2010/main">
+            <mc:Choice Requires="a14">
               <p:sp>
                 <p:nvSpPr>
                   <p:cNvPr id="139" name="TextBox 138">
@@ -10797,7 +10784,7 @@
                 </p:txBody>
               </p:sp>
             </mc:Choice>
-            <mc:Fallback>
+            <mc:Fallback xmlns="">
               <p:sp>
                 <p:nvSpPr>
                   <p:cNvPr id="139" name="TextBox 138">
@@ -10842,8 +10829,8 @@
               </p:sp>
             </mc:Fallback>
           </mc:AlternateContent>
-          <mc:AlternateContent xmlns:mc="http://schemas.openxmlformats.org/markup-compatibility/2006">
-            <mc:Choice xmlns:a14="http://schemas.microsoft.com/office/drawing/2010/main" Requires="a14">
+          <mc:AlternateContent xmlns:mc="http://schemas.openxmlformats.org/markup-compatibility/2006" xmlns:a14="http://schemas.microsoft.com/office/drawing/2010/main">
+            <mc:Choice Requires="a14">
               <p:sp>
                 <p:nvSpPr>
                   <p:cNvPr id="140" name="TextBox 139">
@@ -10947,7 +10934,7 @@
                 </p:txBody>
               </p:sp>
             </mc:Choice>
-            <mc:Fallback>
+            <mc:Fallback xmlns="">
               <p:sp>
                 <p:nvSpPr>
                   <p:cNvPr id="140" name="TextBox 139">
@@ -10992,8 +10979,8 @@
               </p:sp>
             </mc:Fallback>
           </mc:AlternateContent>
-          <mc:AlternateContent xmlns:mc="http://schemas.openxmlformats.org/markup-compatibility/2006">
-            <mc:Choice xmlns:a14="http://schemas.microsoft.com/office/drawing/2010/main" Requires="a14">
+          <mc:AlternateContent xmlns:mc="http://schemas.openxmlformats.org/markup-compatibility/2006" xmlns:a14="http://schemas.microsoft.com/office/drawing/2010/main">
+            <mc:Choice Requires="a14">
               <p:sp>
                 <p:nvSpPr>
                   <p:cNvPr id="141" name="TextBox 140">
@@ -11089,7 +11076,7 @@
                 </p:txBody>
               </p:sp>
             </mc:Choice>
-            <mc:Fallback>
+            <mc:Fallback xmlns="">
               <p:sp>
                 <p:nvSpPr>
                   <p:cNvPr id="141" name="TextBox 140">
@@ -11134,8 +11121,8 @@
               </p:sp>
             </mc:Fallback>
           </mc:AlternateContent>
-          <mc:AlternateContent xmlns:mc="http://schemas.openxmlformats.org/markup-compatibility/2006">
-            <mc:Choice xmlns:a14="http://schemas.microsoft.com/office/drawing/2010/main" Requires="a14">
+          <mc:AlternateContent xmlns:mc="http://schemas.openxmlformats.org/markup-compatibility/2006" xmlns:a14="http://schemas.microsoft.com/office/drawing/2010/main">
+            <mc:Choice Requires="a14">
               <p:sp>
                 <p:nvSpPr>
                   <p:cNvPr id="142" name="TextBox 141">
@@ -11231,7 +11218,7 @@
                 </p:txBody>
               </p:sp>
             </mc:Choice>
-            <mc:Fallback>
+            <mc:Fallback xmlns="">
               <p:sp>
                 <p:nvSpPr>
                   <p:cNvPr id="142" name="TextBox 141">
@@ -11454,8 +11441,8 @@
               </a:fontRef>
             </p:style>
           </p:cxnSp>
-          <mc:AlternateContent xmlns:mc="http://schemas.openxmlformats.org/markup-compatibility/2006">
-            <mc:Choice xmlns:a14="http://schemas.microsoft.com/office/drawing/2010/main" Requires="a14">
+          <mc:AlternateContent xmlns:mc="http://schemas.openxmlformats.org/markup-compatibility/2006" xmlns:a14="http://schemas.microsoft.com/office/drawing/2010/main">
+            <mc:Choice Requires="a14">
               <p:sp>
                 <p:nvSpPr>
                   <p:cNvPr id="147" name="TextBox 146">
@@ -11580,7 +11567,7 @@
                 </p:txBody>
               </p:sp>
             </mc:Choice>
-            <mc:Fallback>
+            <mc:Fallback xmlns="">
               <p:sp>
                 <p:nvSpPr>
                   <p:cNvPr id="147" name="TextBox 146">
@@ -11625,8 +11612,8 @@
               </p:sp>
             </mc:Fallback>
           </mc:AlternateContent>
-          <mc:AlternateContent xmlns:mc="http://schemas.openxmlformats.org/markup-compatibility/2006">
-            <mc:Choice xmlns:a14="http://schemas.microsoft.com/office/drawing/2010/main" Requires="a14">
+          <mc:AlternateContent xmlns:mc="http://schemas.openxmlformats.org/markup-compatibility/2006" xmlns:a14="http://schemas.microsoft.com/office/drawing/2010/main">
+            <mc:Choice Requires="a14">
               <p:sp>
                 <p:nvSpPr>
                   <p:cNvPr id="148" name="TextBox 147">
@@ -11819,7 +11806,7 @@
                 </p:txBody>
               </p:sp>
             </mc:Choice>
-            <mc:Fallback>
+            <mc:Fallback xmlns="">
               <p:sp>
                 <p:nvSpPr>
                   <p:cNvPr id="148" name="TextBox 147">
@@ -12084,8 +12071,8 @@
               </a:p>
             </p:txBody>
           </p:sp>
-          <mc:AlternateContent xmlns:mc="http://schemas.openxmlformats.org/markup-compatibility/2006">
-            <mc:Choice xmlns:a14="http://schemas.microsoft.com/office/drawing/2010/main" Requires="a14">
+          <mc:AlternateContent xmlns:mc="http://schemas.openxmlformats.org/markup-compatibility/2006" xmlns:a14="http://schemas.microsoft.com/office/drawing/2010/main">
+            <mc:Choice Requires="a14">
               <p:sp>
                 <p:nvSpPr>
                   <p:cNvPr id="153" name="TextBox 152">
@@ -12175,7 +12162,7 @@
                 </p:txBody>
               </p:sp>
             </mc:Choice>
-            <mc:Fallback>
+            <mc:Fallback xmlns="">
               <p:sp>
                 <p:nvSpPr>
                   <p:cNvPr id="153" name="TextBox 152">
@@ -12221,8 +12208,8 @@
             </mc:Fallback>
           </mc:AlternateContent>
         </p:grpSp>
-        <mc:AlternateContent xmlns:mc="http://schemas.openxmlformats.org/markup-compatibility/2006">
-          <mc:Choice xmlns:a14="http://schemas.microsoft.com/office/drawing/2010/main" Requires="a14">
+        <mc:AlternateContent xmlns:mc="http://schemas.openxmlformats.org/markup-compatibility/2006" xmlns:a14="http://schemas.microsoft.com/office/drawing/2010/main">
+          <mc:Choice Requires="a14">
             <p:sp>
               <p:nvSpPr>
                 <p:cNvPr id="135" name="TextBox 134">
@@ -12251,7 +12238,6 @@
                 </a:bodyPr>
                 <a:lstStyle/>
                 <a:p>
-                  <a:pPr/>
                   <a:r>
                     <a:rPr lang="en-US" sz="1066" i="1" dirty="0"/>
                     <a:t>Proposal </a:t>
@@ -12409,7 +12395,7 @@
               </p:txBody>
             </p:sp>
           </mc:Choice>
-          <mc:Fallback>
+          <mc:Fallback xmlns="">
             <p:sp>
               <p:nvSpPr>
                 <p:cNvPr id="135" name="TextBox 134">
@@ -12482,7 +12468,6 @@
             </a:bodyPr>
             <a:lstStyle/>
             <a:p>
-              <a:pPr/>
               <a:r>
                 <a:rPr lang="en-US" sz="1066" i="1" dirty="0"/>
                 <a:t>Project the other two distinct chain orthogonally onto the line and calculate the difference between the projection points</a:t>
@@ -12495,8 +12480,8 @@
             </a:p>
           </p:txBody>
         </p:sp>
-        <mc:AlternateContent xmlns:mc="http://schemas.openxmlformats.org/markup-compatibility/2006">
-          <mc:Choice xmlns:a14="http://schemas.microsoft.com/office/drawing/2010/main" Requires="a14">
+        <mc:AlternateContent xmlns:mc="http://schemas.openxmlformats.org/markup-compatibility/2006" xmlns:a14="http://schemas.microsoft.com/office/drawing/2010/main">
+          <mc:Choice Requires="a14">
             <p:sp>
               <p:nvSpPr>
                 <p:cNvPr id="137" name="TextBox 136">
@@ -12525,7 +12510,6 @@
                 </a:bodyPr>
                 <a:lstStyle/>
                 <a:p>
-                  <a:pPr/>
                   <a:r>
                     <a:rPr lang="en-US" sz="1066" i="1" dirty="0"/>
                     <a:t>Proposal point </a:t>
@@ -12665,7 +12649,7 @@
               </p:txBody>
             </p:sp>
           </mc:Choice>
-          <mc:Fallback>
+          <mc:Fallback xmlns="">
             <p:sp>
               <p:nvSpPr>
                 <p:cNvPr id="137" name="TextBox 136">
@@ -13243,8 +13227,8 @@
               </p:txBody>
             </p:sp>
           </p:grpSp>
-          <mc:AlternateContent xmlns:mc="http://schemas.openxmlformats.org/markup-compatibility/2006">
-            <mc:Choice xmlns:a14="http://schemas.microsoft.com/office/drawing/2010/main" Requires="a14">
+          <mc:AlternateContent xmlns:mc="http://schemas.openxmlformats.org/markup-compatibility/2006" xmlns:a14="http://schemas.microsoft.com/office/drawing/2010/main">
+            <mc:Choice Requires="a14">
               <p:sp>
                 <p:nvSpPr>
                   <p:cNvPr id="233" name="TextBox 232">
@@ -13295,7 +13279,7 @@
                 </p:txBody>
               </p:sp>
             </mc:Choice>
-            <mc:Fallback>
+            <mc:Fallback xmlns="">
               <p:sp>
                 <p:nvSpPr>
                   <p:cNvPr id="233" name="TextBox 232">
@@ -13340,8 +13324,8 @@
               </p:sp>
             </mc:Fallback>
           </mc:AlternateContent>
-          <mc:AlternateContent xmlns:mc="http://schemas.openxmlformats.org/markup-compatibility/2006">
-            <mc:Choice xmlns:a14="http://schemas.microsoft.com/office/drawing/2010/main" Requires="a14">
+          <mc:AlternateContent xmlns:mc="http://schemas.openxmlformats.org/markup-compatibility/2006" xmlns:a14="http://schemas.microsoft.com/office/drawing/2010/main">
+            <mc:Choice Requires="a14">
               <p:sp>
                 <p:nvSpPr>
                   <p:cNvPr id="236" name="TextBox 235">
@@ -13427,7 +13411,7 @@
                 </p:txBody>
               </p:sp>
             </mc:Choice>
-            <mc:Fallback>
+            <mc:Fallback xmlns="">
               <p:sp>
                 <p:nvSpPr>
                   <p:cNvPr id="236" name="TextBox 235">
@@ -13811,8 +13795,8 @@
               </p:txBody>
             </p:sp>
           </p:grpSp>
-          <mc:AlternateContent xmlns:mc="http://schemas.openxmlformats.org/markup-compatibility/2006">
-            <mc:Choice xmlns:a14="http://schemas.microsoft.com/office/drawing/2010/main" Requires="a14">
+          <mc:AlternateContent xmlns:mc="http://schemas.openxmlformats.org/markup-compatibility/2006" xmlns:a14="http://schemas.microsoft.com/office/drawing/2010/main">
+            <mc:Choice Requires="a14">
               <p:sp>
                 <p:nvSpPr>
                   <p:cNvPr id="234" name="TextBox 233">
@@ -13884,7 +13868,7 @@
                 </p:txBody>
               </p:sp>
             </mc:Choice>
-            <mc:Fallback>
+            <mc:Fallback xmlns="">
               <p:sp>
                 <p:nvSpPr>
                   <p:cNvPr id="234" name="TextBox 233">
@@ -13929,8 +13913,8 @@
               </p:sp>
             </mc:Fallback>
           </mc:AlternateContent>
-          <mc:AlternateContent xmlns:mc="http://schemas.openxmlformats.org/markup-compatibility/2006">
-            <mc:Choice xmlns:a14="http://schemas.microsoft.com/office/drawing/2010/main" Requires="a14">
+          <mc:AlternateContent xmlns:mc="http://schemas.openxmlformats.org/markup-compatibility/2006" xmlns:a14="http://schemas.microsoft.com/office/drawing/2010/main">
+            <mc:Choice Requires="a14">
               <p:sp>
                 <p:nvSpPr>
                   <p:cNvPr id="235" name="TextBox 234">
@@ -13981,7 +13965,7 @@
                 </p:txBody>
               </p:sp>
             </mc:Choice>
-            <mc:Fallback>
+            <mc:Fallback xmlns="">
               <p:sp>
                 <p:nvSpPr>
                   <p:cNvPr id="235" name="TextBox 234">
@@ -14186,8 +14170,8 @@
             </a:p>
           </p:txBody>
         </p:sp>
-        <mc:AlternateContent xmlns:mc="http://schemas.openxmlformats.org/markup-compatibility/2006">
-          <mc:Choice xmlns:a14="http://schemas.microsoft.com/office/drawing/2010/main" Requires="a14">
+        <mc:AlternateContent xmlns:mc="http://schemas.openxmlformats.org/markup-compatibility/2006" xmlns:a14="http://schemas.microsoft.com/office/drawing/2010/main">
+          <mc:Choice Requires="a14">
             <p:sp>
               <p:nvSpPr>
                 <p:cNvPr id="248" name="TextBox 247">
@@ -14410,7 +14394,7 @@
               </p:txBody>
             </p:sp>
           </mc:Choice>
-          <mc:Fallback>
+          <mc:Fallback xmlns="">
             <p:sp>
               <p:nvSpPr>
                 <p:cNvPr id="248" name="TextBox 247">
@@ -14528,8 +14512,8 @@
             </a:p>
           </p:txBody>
         </p:sp>
-        <mc:AlternateContent xmlns:mc="http://schemas.openxmlformats.org/markup-compatibility/2006">
-          <mc:Choice xmlns:a14="http://schemas.microsoft.com/office/drawing/2010/main" Requires="a14">
+        <mc:AlternateContent xmlns:mc="http://schemas.openxmlformats.org/markup-compatibility/2006" xmlns:a14="http://schemas.microsoft.com/office/drawing/2010/main">
+          <mc:Choice Requires="a14">
             <p:sp>
               <p:nvSpPr>
                 <p:cNvPr id="245" name="TextBox 244">
@@ -14657,7 +14641,7 @@
               </p:txBody>
             </p:sp>
           </mc:Choice>
-          <mc:Fallback>
+          <mc:Fallback xmlns="">
             <p:sp>
               <p:nvSpPr>
                 <p:cNvPr id="245" name="TextBox 244">
@@ -15348,8 +15332,8 @@
               </a:fontRef>
             </p:style>
           </p:cxnSp>
-          <mc:AlternateContent xmlns:mc="http://schemas.openxmlformats.org/markup-compatibility/2006">
-            <mc:Choice xmlns:a14="http://schemas.microsoft.com/office/drawing/2010/main" Requires="a14">
+          <mc:AlternateContent xmlns:mc="http://schemas.openxmlformats.org/markup-compatibility/2006" xmlns:a14="http://schemas.microsoft.com/office/drawing/2010/main">
+            <mc:Choice Requires="a14">
               <p:sp>
                 <p:nvSpPr>
                   <p:cNvPr id="4" name="TextBox 3">
@@ -15454,7 +15438,7 @@
                 </p:txBody>
               </p:sp>
             </mc:Choice>
-            <mc:Fallback>
+            <mc:Fallback xmlns="">
               <p:sp>
                 <p:nvSpPr>
                   <p:cNvPr id="4" name="TextBox 3">
@@ -15499,8 +15483,8 @@
               </p:sp>
             </mc:Fallback>
           </mc:AlternateContent>
-          <mc:AlternateContent xmlns:mc="http://schemas.openxmlformats.org/markup-compatibility/2006">
-            <mc:Choice xmlns:a14="http://schemas.microsoft.com/office/drawing/2010/main" Requires="a14">
+          <mc:AlternateContent xmlns:mc="http://schemas.openxmlformats.org/markup-compatibility/2006" xmlns:a14="http://schemas.microsoft.com/office/drawing/2010/main">
+            <mc:Choice Requires="a14">
               <p:sp>
                 <p:nvSpPr>
                   <p:cNvPr id="5" name="TextBox 4">
@@ -15604,7 +15588,7 @@
                 </p:txBody>
               </p:sp>
             </mc:Choice>
-            <mc:Fallback>
+            <mc:Fallback xmlns="">
               <p:sp>
                 <p:nvSpPr>
                   <p:cNvPr id="5" name="TextBox 4">
@@ -15649,8 +15633,8 @@
               </p:sp>
             </mc:Fallback>
           </mc:AlternateContent>
-          <mc:AlternateContent xmlns:mc="http://schemas.openxmlformats.org/markup-compatibility/2006">
-            <mc:Choice xmlns:a14="http://schemas.microsoft.com/office/drawing/2010/main" Requires="a14">
+          <mc:AlternateContent xmlns:mc="http://schemas.openxmlformats.org/markup-compatibility/2006" xmlns:a14="http://schemas.microsoft.com/office/drawing/2010/main">
+            <mc:Choice Requires="a14">
               <p:sp>
                 <p:nvSpPr>
                   <p:cNvPr id="6" name="TextBox 5">
@@ -15746,7 +15730,7 @@
                 </p:txBody>
               </p:sp>
             </mc:Choice>
-            <mc:Fallback>
+            <mc:Fallback xmlns="">
               <p:sp>
                 <p:nvSpPr>
                   <p:cNvPr id="6" name="TextBox 5">
@@ -15791,8 +15775,8 @@
               </p:sp>
             </mc:Fallback>
           </mc:AlternateContent>
-          <mc:AlternateContent xmlns:mc="http://schemas.openxmlformats.org/markup-compatibility/2006">
-            <mc:Choice xmlns:a14="http://schemas.microsoft.com/office/drawing/2010/main" Requires="a14">
+          <mc:AlternateContent xmlns:mc="http://schemas.openxmlformats.org/markup-compatibility/2006" xmlns:a14="http://schemas.microsoft.com/office/drawing/2010/main">
+            <mc:Choice Requires="a14">
               <p:sp>
                 <p:nvSpPr>
                   <p:cNvPr id="7" name="TextBox 6">
@@ -15888,7 +15872,7 @@
                 </p:txBody>
               </p:sp>
             </mc:Choice>
-            <mc:Fallback>
+            <mc:Fallback xmlns="">
               <p:sp>
                 <p:nvSpPr>
                   <p:cNvPr id="7" name="TextBox 6">
@@ -16111,8 +16095,8 @@
               </a:fontRef>
             </p:style>
           </p:cxnSp>
-          <mc:AlternateContent xmlns:mc="http://schemas.openxmlformats.org/markup-compatibility/2006">
-            <mc:Choice xmlns:a14="http://schemas.microsoft.com/office/drawing/2010/main" Requires="a14">
+          <mc:AlternateContent xmlns:mc="http://schemas.openxmlformats.org/markup-compatibility/2006" xmlns:a14="http://schemas.microsoft.com/office/drawing/2010/main">
+            <mc:Choice Requires="a14">
               <p:sp>
                 <p:nvSpPr>
                   <p:cNvPr id="12" name="TextBox 11">
@@ -16237,7 +16221,7 @@
                 </p:txBody>
               </p:sp>
             </mc:Choice>
-            <mc:Fallback>
+            <mc:Fallback xmlns="">
               <p:sp>
                 <p:nvSpPr>
                   <p:cNvPr id="12" name="TextBox 11">
@@ -16282,8 +16266,8 @@
               </p:sp>
             </mc:Fallback>
           </mc:AlternateContent>
-          <mc:AlternateContent xmlns:mc="http://schemas.openxmlformats.org/markup-compatibility/2006">
-            <mc:Choice xmlns:a14="http://schemas.microsoft.com/office/drawing/2010/main" Requires="a14">
+          <mc:AlternateContent xmlns:mc="http://schemas.openxmlformats.org/markup-compatibility/2006" xmlns:a14="http://schemas.microsoft.com/office/drawing/2010/main">
+            <mc:Choice Requires="a14">
               <p:sp>
                 <p:nvSpPr>
                   <p:cNvPr id="13" name="TextBox 12">
@@ -16476,7 +16460,7 @@
                 </p:txBody>
               </p:sp>
             </mc:Choice>
-            <mc:Fallback>
+            <mc:Fallback xmlns="">
               <p:sp>
                 <p:nvSpPr>
                   <p:cNvPr id="13" name="TextBox 12">
@@ -16741,8 +16725,8 @@
               </a:p>
             </p:txBody>
           </p:sp>
-          <mc:AlternateContent xmlns:mc="http://schemas.openxmlformats.org/markup-compatibility/2006">
-            <mc:Choice xmlns:a14="http://schemas.microsoft.com/office/drawing/2010/main" Requires="a14">
+          <mc:AlternateContent xmlns:mc="http://schemas.openxmlformats.org/markup-compatibility/2006" xmlns:a14="http://schemas.microsoft.com/office/drawing/2010/main">
+            <mc:Choice Requires="a14">
               <p:sp>
                 <p:nvSpPr>
                   <p:cNvPr id="18" name="TextBox 17">
@@ -16832,7 +16816,7 @@
                 </p:txBody>
               </p:sp>
             </mc:Choice>
-            <mc:Fallback>
+            <mc:Fallback xmlns="">
               <p:sp>
                 <p:nvSpPr>
                   <p:cNvPr id="18" name="TextBox 17">
@@ -16878,8 +16862,8 @@
             </mc:Fallback>
           </mc:AlternateContent>
         </p:grpSp>
-        <mc:AlternateContent xmlns:mc="http://schemas.openxmlformats.org/markup-compatibility/2006">
-          <mc:Choice xmlns:a14="http://schemas.microsoft.com/office/drawing/2010/main" Requires="a14">
+        <mc:AlternateContent xmlns:mc="http://schemas.openxmlformats.org/markup-compatibility/2006" xmlns:a14="http://schemas.microsoft.com/office/drawing/2010/main">
+          <mc:Choice Requires="a14">
             <p:sp>
               <p:nvSpPr>
                 <p:cNvPr id="22" name="TextBox 21">
@@ -16908,7 +16892,6 @@
                 </a:bodyPr>
                 <a:lstStyle/>
                 <a:p>
-                  <a:pPr/>
                   <a:r>
                     <a:rPr lang="en-US" sz="932" i="1" dirty="0"/>
                     <a:t>Proposal </a:t>
@@ -17066,7 +17049,7 @@
               </p:txBody>
             </p:sp>
           </mc:Choice>
-          <mc:Fallback>
+          <mc:Fallback xmlns="">
             <p:sp>
               <p:nvSpPr>
                 <p:cNvPr id="22" name="TextBox 21">
@@ -17139,7 +17122,6 @@
             </a:bodyPr>
             <a:lstStyle/>
             <a:p>
-              <a:pPr/>
               <a:r>
                 <a:rPr lang="en-US" sz="932" i="1" dirty="0"/>
                 <a:t>Project the other two distinct chain orthogonally onto the line and calculate the difference between the projection points.</a:t>
@@ -17148,8 +17130,8 @@
             </a:p>
           </p:txBody>
         </p:sp>
-        <mc:AlternateContent xmlns:mc="http://schemas.openxmlformats.org/markup-compatibility/2006">
-          <mc:Choice xmlns:a14="http://schemas.microsoft.com/office/drawing/2010/main" Requires="a14">
+        <mc:AlternateContent xmlns:mc="http://schemas.openxmlformats.org/markup-compatibility/2006" xmlns:a14="http://schemas.microsoft.com/office/drawing/2010/main">
+          <mc:Choice Requires="a14">
             <p:sp>
               <p:nvSpPr>
                 <p:cNvPr id="24" name="TextBox 23">
@@ -17178,7 +17160,6 @@
                 </a:bodyPr>
                 <a:lstStyle/>
                 <a:p>
-                  <a:pPr/>
                   <a:r>
                     <a:rPr lang="en-US" sz="932" i="1" dirty="0"/>
                     <a:t>Proposal point </a:t>
@@ -17318,7 +17299,7 @@
               </p:txBody>
             </p:sp>
           </mc:Choice>
-          <mc:Fallback>
+          <mc:Fallback xmlns="">
             <p:sp>
               <p:nvSpPr>
                 <p:cNvPr id="24" name="TextBox 23">
